--- a/2. Web Development and Database/Day 11/Slides/9. Providing Servlet Metadata Using Annotations/9-java-servlets-m9.pptx
+++ b/2. Web Development and Database/Day 11/Slides/9. Providing Servlet Metadata Using Annotations/9-java-servlets-m9.pptx
@@ -5155,7 +5155,7 @@
         <p:spPr>
           <a:xfrm>
             <a:off x="6481006" y="3581099"/>
-            <a:ext cx="1557655" cy="330835"/>
+            <a:ext cx="1557655" cy="320675"/>
           </a:xfrm>
           <a:prstGeom prst="rect">
             <a:avLst/>
@@ -5176,16 +5176,19 @@
               </a:spcBef>
             </a:pPr>
             <a:r>
-              <a:rPr sz="2000" spc="-10" dirty="0">
-                <a:solidFill>
-                  <a:srgbClr val="FFFFFF"/>
+              <a:rPr sz="2000" b="1" spc="-10" dirty="0">
+                <a:solidFill>
+                  <a:srgbClr val="FF0000"/>
                 </a:solidFill>
                 <a:latin typeface="Calibri" panose="020F0502020204030204"/>
                 <a:cs typeface="Calibri" panose="020F0502020204030204"/>
               </a:rPr>
               <a:t>Value=“/Hello”</a:t>
             </a:r>
-            <a:endParaRPr sz="2000">
+            <a:endParaRPr sz="2000" b="1" spc="-10" dirty="0">
+              <a:solidFill>
+                <a:srgbClr val="FF0000"/>
+              </a:solidFill>
               <a:latin typeface="Calibri" panose="020F0502020204030204"/>
               <a:cs typeface="Calibri" panose="020F0502020204030204"/>
             </a:endParaRPr>
@@ -5247,7 +5250,7 @@
         <p:spPr>
           <a:xfrm>
             <a:off x="6481061" y="3962227"/>
-            <a:ext cx="3363595" cy="1268095"/>
+            <a:ext cx="3363595" cy="1270635"/>
           </a:xfrm>
           <a:prstGeom prst="rect">
             <a:avLst/>
@@ -5268,56 +5271,107 @@
               </a:spcBef>
             </a:pPr>
             <a:r>
-              <a:rPr sz="2000" spc="-15" dirty="0">
-                <a:solidFill>
-                  <a:srgbClr val="FFFFFF"/>
-                </a:solidFill>
+              <a:rPr sz="2000" b="1" spc="-15" dirty="0">
+                <a:gradFill>
+                  <a:gsLst>
+                    <a:gs pos="0">
+                      <a:srgbClr val="7B32B2"/>
+                    </a:gs>
+                    <a:gs pos="100000">
+                      <a:srgbClr val="401A5D"/>
+                    </a:gs>
+                  </a:gsLst>
+                  <a:lin scaled="0"/>
+                </a:gradFill>
                 <a:latin typeface="Calibri" panose="020F0502020204030204"/>
                 <a:cs typeface="Calibri" panose="020F0502020204030204"/>
               </a:rPr>
               <a:t>urlPattern</a:t>
             </a:r>
             <a:r>
-              <a:rPr sz="2000" spc="15" dirty="0">
-                <a:solidFill>
-                  <a:srgbClr val="FFFFFF"/>
-                </a:solidFill>
+              <a:rPr sz="2000" b="1" spc="15" dirty="0">
+                <a:gradFill>
+                  <a:gsLst>
+                    <a:gs pos="0">
+                      <a:srgbClr val="7B32B2"/>
+                    </a:gs>
+                    <a:gs pos="100000">
+                      <a:srgbClr val="401A5D"/>
+                    </a:gs>
+                  </a:gsLst>
+                  <a:lin scaled="0"/>
+                </a:gradFill>
                 <a:latin typeface="Calibri" panose="020F0502020204030204"/>
                 <a:cs typeface="Calibri" panose="020F0502020204030204"/>
               </a:rPr>
               <a:t> </a:t>
             </a:r>
             <a:r>
-              <a:rPr sz="2000" dirty="0">
-                <a:solidFill>
-                  <a:srgbClr val="FFFFFF"/>
-                </a:solidFill>
+              <a:rPr sz="2000" b="1" dirty="0">
+                <a:gradFill>
+                  <a:gsLst>
+                    <a:gs pos="0">
+                      <a:srgbClr val="7B32B2"/>
+                    </a:gs>
+                    <a:gs pos="100000">
+                      <a:srgbClr val="401A5D"/>
+                    </a:gs>
+                  </a:gsLst>
+                  <a:lin scaled="0"/>
+                </a:gradFill>
                 <a:latin typeface="Calibri" panose="020F0502020204030204"/>
                 <a:cs typeface="Calibri" panose="020F0502020204030204"/>
               </a:rPr>
               <a:t>=</a:t>
             </a:r>
             <a:r>
-              <a:rPr sz="2000" spc="-15" dirty="0">
-                <a:solidFill>
-                  <a:srgbClr val="FFFFFF"/>
-                </a:solidFill>
+              <a:rPr sz="2000" b="1" spc="-15" dirty="0">
+                <a:gradFill>
+                  <a:gsLst>
+                    <a:gs pos="0">
+                      <a:srgbClr val="7B32B2"/>
+                    </a:gs>
+                    <a:gs pos="100000">
+                      <a:srgbClr val="401A5D"/>
+                    </a:gs>
+                  </a:gsLst>
+                  <a:lin scaled="0"/>
+                </a:gradFill>
                 <a:latin typeface="Calibri" panose="020F0502020204030204"/>
                 <a:cs typeface="Calibri" panose="020F0502020204030204"/>
               </a:rPr>
               <a:t> </a:t>
             </a:r>
             <a:r>
-              <a:rPr sz="2000" spc="-5" dirty="0">
-                <a:solidFill>
-                  <a:srgbClr val="FFFFFF"/>
-                </a:solidFill>
+              <a:rPr sz="2000" b="1" spc="-5" dirty="0">
+                <a:gradFill>
+                  <a:gsLst>
+                    <a:gs pos="0">
+                      <a:srgbClr val="7B32B2"/>
+                    </a:gs>
+                    <a:gs pos="100000">
+                      <a:srgbClr val="401A5D"/>
+                    </a:gs>
+                  </a:gsLst>
+                  <a:lin scaled="0"/>
+                </a:gradFill>
                 <a:latin typeface="Calibri" panose="020F0502020204030204"/>
                 <a:cs typeface="Calibri" panose="020F0502020204030204"/>
               </a:rPr>
               <a:t>“/Hello”</a:t>
             </a:r>
-            <a:endParaRPr sz="2000">
+            <a:endParaRPr sz="2000" b="1">
+              <a:gradFill>
+                <a:gsLst>
+                  <a:gs pos="0">
+                    <a:srgbClr val="7B32B2"/>
+                  </a:gs>
+                  <a:gs pos="100000">
+                    <a:srgbClr val="401A5D"/>
+                  </a:gs>
+                </a:gsLst>
+                <a:lin scaled="0"/>
+              </a:gradFill>
               <a:latin typeface="Calibri" panose="020F0502020204030204"/>
               <a:cs typeface="Calibri" panose="020F0502020204030204"/>
             </a:endParaRPr>
